--- a/asset/그림.pptx
+++ b/asset/그림.pptx
@@ -4634,14 +4634,14 @@
           <p:nvPr>
             <p:extLst>
               <p:ext uri="{D42A27DB-BD31-4B8C-83A1-F6EECF244321}">
-                <p14:modId xmlns:p14="http://schemas.microsoft.com/office/powerpoint/2010/main" val="2938929002"/>
+                <p14:modId xmlns:p14="http://schemas.microsoft.com/office/powerpoint/2010/main" val="3249587267"/>
               </p:ext>
             </p:extLst>
           </p:nvPr>
         </p:nvGraphicFramePr>
         <p:xfrm>
-          <a:off x="1468505" y="2400300"/>
-          <a:ext cx="8672493" cy="2057400"/>
+          <a:off x="1468505" y="2460116"/>
+          <a:ext cx="8585194" cy="2834262"/>
         </p:xfrm>
         <a:graphic>
           <a:graphicData uri="http://schemas.openxmlformats.org/drawingml/2006/table">
@@ -4650,57 +4650,71 @@
                 <a:tableStyleId>{5C22544A-7EE6-4342-B048-85BDC9FD1C3A}</a:tableStyleId>
               </a:tblPr>
               <a:tblGrid>
-                <a:gridCol w="792000">
+                <a:gridCol w="701194">
                   <a:extLst>
                     <a:ext uri="{9D8B030D-6E8A-4147-A177-3AD203B41FA5}">
                       <a16:colId xmlns:a16="http://schemas.microsoft.com/office/drawing/2014/main" val="4045897806"/>
                     </a:ext>
                   </a:extLst>
                 </a:gridCol>
-                <a:gridCol w="958388">
+                <a:gridCol w="720000">
                   <a:extLst>
                     <a:ext uri="{9D8B030D-6E8A-4147-A177-3AD203B41FA5}">
                       <a16:colId xmlns:a16="http://schemas.microsoft.com/office/drawing/2014/main" val="33683591"/>
                     </a:ext>
                   </a:extLst>
                 </a:gridCol>
-                <a:gridCol w="1740821">
+                <a:gridCol w="1332000">
                   <a:extLst>
                     <a:ext uri="{9D8B030D-6E8A-4147-A177-3AD203B41FA5}">
                       <a16:colId xmlns:a16="http://schemas.microsoft.com/office/drawing/2014/main" val="2756275258"/>
                     </a:ext>
                   </a:extLst>
                 </a:gridCol>
-                <a:gridCol w="1811951">
+                <a:gridCol w="1332000">
                   <a:extLst>
                     <a:ext uri="{9D8B030D-6E8A-4147-A177-3AD203B41FA5}">
                       <a16:colId xmlns:a16="http://schemas.microsoft.com/office/drawing/2014/main" val="1242919301"/>
                     </a:ext>
                   </a:extLst>
                 </a:gridCol>
-                <a:gridCol w="1123111">
+                <a:gridCol w="612000">
                   <a:extLst>
                     <a:ext uri="{9D8B030D-6E8A-4147-A177-3AD203B41FA5}">
                       <a16:colId xmlns:a16="http://schemas.microsoft.com/office/drawing/2014/main" val="3512561738"/>
                     </a:ext>
                   </a:extLst>
                 </a:gridCol>
-                <a:gridCol w="1123111">
+                <a:gridCol w="972000">
                   <a:extLst>
                     <a:ext uri="{9D8B030D-6E8A-4147-A177-3AD203B41FA5}">
                       <a16:colId xmlns:a16="http://schemas.microsoft.com/office/drawing/2014/main" val="509253899"/>
                     </a:ext>
                   </a:extLst>
                 </a:gridCol>
-                <a:gridCol w="1123111">
+                <a:gridCol w="972000">
                   <a:extLst>
                     <a:ext uri="{9D8B030D-6E8A-4147-A177-3AD203B41FA5}">
                       <a16:colId xmlns:a16="http://schemas.microsoft.com/office/drawing/2014/main" val="2142271561"/>
                     </a:ext>
                   </a:extLst>
                 </a:gridCol>
+                <a:gridCol w="972000">
+                  <a:extLst>
+                    <a:ext uri="{9D8B030D-6E8A-4147-A177-3AD203B41FA5}">
+                      <a16:colId xmlns:a16="http://schemas.microsoft.com/office/drawing/2014/main" val="765161066"/>
+                    </a:ext>
+                  </a:extLst>
+                </a:gridCol>
+                <a:gridCol w="972000">
+                  <a:extLst>
+                    <a:ext uri="{9D8B030D-6E8A-4147-A177-3AD203B41FA5}">
+                      <a16:colId xmlns:a16="http://schemas.microsoft.com/office/drawing/2014/main" val="1351106830"/>
+                    </a:ext>
+                  </a:extLst>
+                </a:gridCol>
               </a:tblGrid>
-              <a:tr h="228600">
+              <a:tr h="314918">
                 <a:tc rowSpan="2">
                   <a:txBody>
                     <a:bodyPr/>
@@ -4713,7 +4727,24 @@
                           <a:latin typeface="Tahoma" panose="020B0604030504040204" pitchFamily="34" charset="0"/>
                           <a:cs typeface="Tahoma" panose="020B0604030504040204" pitchFamily="34" charset="0"/>
                         </a:rPr>
-                        <a:t>모델 번호</a:t>
+                        <a:t>모델</a:t>
+                      </a:r>
+                      <a:endParaRPr lang="en-US" altLang="ko-KR" sz="1200" u="none" strike="noStrike" dirty="0">
+                        <a:effectLst/>
+                        <a:latin typeface="Tahoma" panose="020B0604030504040204" pitchFamily="34" charset="0"/>
+                        <a:ea typeface="Tahoma" panose="020B0604030504040204" pitchFamily="34" charset="0"/>
+                        <a:cs typeface="Tahoma" panose="020B0604030504040204" pitchFamily="34" charset="0"/>
+                      </a:endParaRPr>
+                    </a:p>
+                    <a:p>
+                      <a:pPr algn="ctr" fontAlgn="ctr"/>
+                      <a:r>
+                        <a:rPr lang="ko-KR" altLang="en-US" sz="1200" u="none" strike="noStrike" dirty="0">
+                          <a:effectLst/>
+                          <a:latin typeface="Tahoma" panose="020B0604030504040204" pitchFamily="34" charset="0"/>
+                          <a:cs typeface="Tahoma" panose="020B0604030504040204" pitchFamily="34" charset="0"/>
+                        </a:rPr>
+                        <a:t>번호</a:t>
                       </a:r>
                       <a:endParaRPr lang="ko-KR" altLang="en-US" sz="1200" b="0" i="0" u="none" strike="noStrike" dirty="0">
                         <a:solidFill>
@@ -4853,7 +4884,19 @@
                           <a:ea typeface="Tahoma" panose="020B0604030504040204" pitchFamily="34" charset="0"/>
                           <a:cs typeface="Tahoma" panose="020B0604030504040204" pitchFamily="34" charset="0"/>
                         </a:rPr>
-                        <a:t>Pretrained Weight(CNN)</a:t>
+                        <a:t>Pretrained Weight</a:t>
+                      </a:r>
+                    </a:p>
+                    <a:p>
+                      <a:pPr algn="ctr" fontAlgn="ctr"/>
+                      <a:r>
+                        <a:rPr lang="en" sz="1200" u="none" strike="noStrike" dirty="0">
+                          <a:effectLst/>
+                          <a:latin typeface="Tahoma" panose="020B0604030504040204" pitchFamily="34" charset="0"/>
+                          <a:ea typeface="Tahoma" panose="020B0604030504040204" pitchFamily="34" charset="0"/>
+                          <a:cs typeface="Tahoma" panose="020B0604030504040204" pitchFamily="34" charset="0"/>
+                        </a:rPr>
+                        <a:t>(CNN)</a:t>
                       </a:r>
                       <a:endParaRPr lang="en" sz="1200" b="0" i="0" u="none" strike="noStrike" dirty="0">
                         <a:solidFill>
@@ -4923,7 +4966,19 @@
                           <a:ea typeface="Tahoma" panose="020B0604030504040204" pitchFamily="34" charset="0"/>
                           <a:cs typeface="Tahoma" panose="020B0604030504040204" pitchFamily="34" charset="0"/>
                         </a:rPr>
-                        <a:t>Pretrained Weight(RNN)</a:t>
+                        <a:t>Pretrained Weight</a:t>
+                      </a:r>
+                    </a:p>
+                    <a:p>
+                      <a:pPr algn="ctr" fontAlgn="ctr"/>
+                      <a:r>
+                        <a:rPr lang="en" sz="1200" u="none" strike="noStrike" dirty="0">
+                          <a:effectLst/>
+                          <a:latin typeface="Tahoma" panose="020B0604030504040204" pitchFamily="34" charset="0"/>
+                          <a:ea typeface="Tahoma" panose="020B0604030504040204" pitchFamily="34" charset="0"/>
+                          <a:cs typeface="Tahoma" panose="020B0604030504040204" pitchFamily="34" charset="0"/>
+                        </a:rPr>
+                        <a:t>(RNN)</a:t>
                       </a:r>
                       <a:endParaRPr lang="en" sz="1200" b="0" i="0" u="none" strike="noStrike" dirty="0">
                         <a:solidFill>
@@ -5130,13 +5185,147 @@
                   </a:txBody>
                   <a:tcPr/>
                 </a:tc>
+                <a:tc gridSpan="2">
+                  <a:txBody>
+                    <a:bodyPr/>
+                    <a:lstStyle/>
+                    <a:p>
+                      <a:pPr algn="ctr" fontAlgn="ctr"/>
+                      <a:r>
+                        <a:rPr lang="en-US" altLang="ko-KR" sz="1200" b="0" i="0" u="none" strike="noStrike" dirty="0">
+                          <a:solidFill>
+                            <a:srgbClr val="000000"/>
+                          </a:solidFill>
+                          <a:effectLst/>
+                          <a:latin typeface="Tahoma" panose="020B0604030504040204" pitchFamily="34" charset="0"/>
+                          <a:ea typeface="Tahoma" panose="020B0604030504040204" pitchFamily="34" charset="0"/>
+                          <a:cs typeface="Tahoma" panose="020B0604030504040204" pitchFamily="34" charset="0"/>
+                        </a:rPr>
+                        <a:t>Ensemble(Final Score)</a:t>
+                      </a:r>
+                      <a:endParaRPr lang="ko-KR" altLang="en-US" sz="1200" b="0" i="0" u="none" strike="noStrike" dirty="0">
+                        <a:solidFill>
+                          <a:srgbClr val="000000"/>
+                        </a:solidFill>
+                        <a:effectLst/>
+                        <a:latin typeface="Tahoma" panose="020B0604030504040204" pitchFamily="34" charset="0"/>
+                        <a:ea typeface="맑은 고딕" panose="020B0503020000020004" pitchFamily="34" charset="-127"/>
+                        <a:cs typeface="Tahoma" panose="020B0604030504040204" pitchFamily="34" charset="0"/>
+                      </a:endParaRPr>
+                    </a:p>
+                  </a:txBody>
+                  <a:tcPr marL="9525" marR="9525" marT="9525" marB="0" anchor="ctr">
+                    <a:lnL w="12700" cap="flat" cmpd="sng" algn="ctr">
+                      <a:solidFill>
+                        <a:schemeClr val="tx1"/>
+                      </a:solidFill>
+                      <a:prstDash val="solid"/>
+                      <a:round/>
+                      <a:headEnd type="none" w="med" len="med"/>
+                      <a:tailEnd type="none" w="med" len="med"/>
+                    </a:lnL>
+                    <a:lnR w="12700" cap="flat" cmpd="sng" algn="ctr">
+                      <a:solidFill>
+                        <a:schemeClr val="tx1"/>
+                      </a:solidFill>
+                      <a:prstDash val="solid"/>
+                      <a:round/>
+                      <a:headEnd type="none" w="med" len="med"/>
+                      <a:tailEnd type="none" w="med" len="med"/>
+                    </a:lnR>
+                    <a:lnT w="12700" cap="flat" cmpd="sng" algn="ctr">
+                      <a:solidFill>
+                        <a:schemeClr val="tx1"/>
+                      </a:solidFill>
+                      <a:prstDash val="solid"/>
+                      <a:round/>
+                      <a:headEnd type="none" w="med" len="med"/>
+                      <a:tailEnd type="none" w="med" len="med"/>
+                    </a:lnT>
+                    <a:lnB w="12700" cap="flat" cmpd="sng" algn="ctr">
+                      <a:solidFill>
+                        <a:schemeClr val="tx1"/>
+                      </a:solidFill>
+                      <a:prstDash val="solid"/>
+                      <a:round/>
+                      <a:headEnd type="none" w="med" len="med"/>
+                      <a:tailEnd type="none" w="med" len="med"/>
+                    </a:lnB>
+                    <a:solidFill>
+                      <a:schemeClr val="bg1">
+                        <a:lumMod val="75000"/>
+                      </a:schemeClr>
+                    </a:solidFill>
+                  </a:tcPr>
+                </a:tc>
+                <a:tc hMerge="1">
+                  <a:txBody>
+                    <a:bodyPr/>
+                    <a:lstStyle/>
+                    <a:p>
+                      <a:pPr algn="ctr" fontAlgn="ctr"/>
+                      <a:endParaRPr lang="ko-KR" altLang="en-US" sz="1200" b="0" i="0" u="none" strike="noStrike" dirty="0">
+                        <a:solidFill>
+                          <a:srgbClr val="000000"/>
+                        </a:solidFill>
+                        <a:effectLst/>
+                        <a:latin typeface="Tahoma" panose="020B0604030504040204" pitchFamily="34" charset="0"/>
+                        <a:ea typeface="맑은 고딕" panose="020B0503020000020004" pitchFamily="34" charset="-127"/>
+                        <a:cs typeface="Tahoma" panose="020B0604030504040204" pitchFamily="34" charset="0"/>
+                      </a:endParaRPr>
+                    </a:p>
+                  </a:txBody>
+                  <a:tcPr marL="9525" marR="9525" marT="9525" marB="0" anchor="ctr">
+                    <a:lnL w="12700" cap="flat" cmpd="sng" algn="ctr">
+                      <a:solidFill>
+                        <a:schemeClr val="tx1"/>
+                      </a:solidFill>
+                      <a:prstDash val="solid"/>
+                      <a:round/>
+                      <a:headEnd type="none" w="med" len="med"/>
+                      <a:tailEnd type="none" w="med" len="med"/>
+                    </a:lnL>
+                    <a:lnR w="12700" cap="flat" cmpd="sng" algn="ctr">
+                      <a:solidFill>
+                        <a:schemeClr val="tx1"/>
+                      </a:solidFill>
+                      <a:prstDash val="solid"/>
+                      <a:round/>
+                      <a:headEnd type="none" w="med" len="med"/>
+                      <a:tailEnd type="none" w="med" len="med"/>
+                    </a:lnR>
+                    <a:lnT w="12700" cap="flat" cmpd="sng" algn="ctr">
+                      <a:solidFill>
+                        <a:schemeClr val="tx1"/>
+                      </a:solidFill>
+                      <a:prstDash val="solid"/>
+                      <a:round/>
+                      <a:headEnd type="none" w="med" len="med"/>
+                      <a:tailEnd type="none" w="med" len="med"/>
+                    </a:lnT>
+                    <a:lnB w="12700" cap="flat" cmpd="sng" algn="ctr">
+                      <a:solidFill>
+                        <a:schemeClr val="tx1"/>
+                      </a:solidFill>
+                      <a:prstDash val="solid"/>
+                      <a:round/>
+                      <a:headEnd type="none" w="med" len="med"/>
+                      <a:tailEnd type="none" w="med" len="med"/>
+                    </a:lnB>
+                    <a:solidFill>
+                      <a:schemeClr val="bg1">
+                        <a:lumMod val="75000"/>
+                      </a:schemeClr>
+                    </a:solidFill>
+                  </a:tcPr>
+                </a:tc>
                 <a:extLst>
                   <a:ext uri="{0D108BD9-81ED-4DB2-BD59-A6C34878D82A}">
                     <a16:rowId xmlns:a16="http://schemas.microsoft.com/office/drawing/2014/main" val="4101520561"/>
                   </a:ext>
                 </a:extLst>
               </a:tr>
-              <a:tr h="228600">
+              <a:tr h="314918">
                 <a:tc vMerge="1">
                   <a:txBody>
                     <a:bodyPr/>
@@ -5199,7 +5388,7 @@
                     <a:p>
                       <a:pPr algn="ctr" fontAlgn="ctr"/>
                       <a:r>
-                        <a:rPr lang="en" sz="1200" u="none" strike="noStrike">
+                        <a:rPr lang="en" sz="1200" u="none" strike="noStrike" dirty="0">
                           <a:effectLst/>
                           <a:latin typeface="Tahoma" panose="020B0604030504040204" pitchFamily="34" charset="0"/>
                           <a:ea typeface="Tahoma" panose="020B0604030504040204" pitchFamily="34" charset="0"/>
@@ -5207,7 +5396,7 @@
                         </a:rPr>
                         <a:t>Public Score</a:t>
                       </a:r>
-                      <a:endParaRPr lang="en" sz="1200" b="0" i="0" u="none" strike="noStrike">
+                      <a:endParaRPr lang="en" sz="1200" b="0" i="0" u="none" strike="noStrike" dirty="0">
                         <a:solidFill>
                           <a:srgbClr val="000000"/>
                         </a:solidFill>
@@ -5332,13 +5521,153 @@
                     </a:solidFill>
                   </a:tcPr>
                 </a:tc>
+                <a:tc>
+                  <a:txBody>
+                    <a:bodyPr/>
+                    <a:lstStyle/>
+                    <a:p>
+                      <a:pPr algn="ctr" fontAlgn="ctr"/>
+                      <a:r>
+                        <a:rPr lang="en" sz="1200" u="none" strike="noStrike" dirty="0">
+                          <a:effectLst/>
+                          <a:latin typeface="Tahoma" panose="020B0604030504040204" pitchFamily="34" charset="0"/>
+                          <a:ea typeface="Tahoma" panose="020B0604030504040204" pitchFamily="34" charset="0"/>
+                          <a:cs typeface="Tahoma" panose="020B0604030504040204" pitchFamily="34" charset="0"/>
+                        </a:rPr>
+                        <a:t>Public Score</a:t>
+                      </a:r>
+                      <a:endParaRPr lang="en" sz="1200" b="0" i="0" u="none" strike="noStrike" dirty="0">
+                        <a:solidFill>
+                          <a:srgbClr val="000000"/>
+                        </a:solidFill>
+                        <a:effectLst/>
+                        <a:latin typeface="Tahoma" panose="020B0604030504040204" pitchFamily="34" charset="0"/>
+                        <a:ea typeface="Tahoma" panose="020B0604030504040204" pitchFamily="34" charset="0"/>
+                        <a:cs typeface="Tahoma" panose="020B0604030504040204" pitchFamily="34" charset="0"/>
+                      </a:endParaRPr>
+                    </a:p>
+                  </a:txBody>
+                  <a:tcPr marL="9525" marR="9525" marT="9525" marB="0" anchor="ctr">
+                    <a:lnL w="12700" cap="flat" cmpd="sng" algn="ctr">
+                      <a:solidFill>
+                        <a:schemeClr val="tx1"/>
+                      </a:solidFill>
+                      <a:prstDash val="solid"/>
+                      <a:round/>
+                      <a:headEnd type="none" w="med" len="med"/>
+                      <a:tailEnd type="none" w="med" len="med"/>
+                    </a:lnL>
+                    <a:lnR w="12700" cap="flat" cmpd="sng" algn="ctr">
+                      <a:solidFill>
+                        <a:schemeClr val="tx1"/>
+                      </a:solidFill>
+                      <a:prstDash val="solid"/>
+                      <a:round/>
+                      <a:headEnd type="none" w="med" len="med"/>
+                      <a:tailEnd type="none" w="med" len="med"/>
+                    </a:lnR>
+                    <a:lnT w="12700" cap="flat" cmpd="sng" algn="ctr">
+                      <a:solidFill>
+                        <a:schemeClr val="tx1"/>
+                      </a:solidFill>
+                      <a:prstDash val="solid"/>
+                      <a:round/>
+                      <a:headEnd type="none" w="med" len="med"/>
+                      <a:tailEnd type="none" w="med" len="med"/>
+                    </a:lnT>
+                    <a:lnB w="12700" cap="flat" cmpd="sng" algn="ctr">
+                      <a:solidFill>
+                        <a:schemeClr val="tx1"/>
+                      </a:solidFill>
+                      <a:prstDash val="solid"/>
+                      <a:round/>
+                      <a:headEnd type="none" w="med" len="med"/>
+                      <a:tailEnd type="none" w="med" len="med"/>
+                    </a:lnB>
+                    <a:solidFill>
+                      <a:schemeClr val="bg1">
+                        <a:lumMod val="75000"/>
+                      </a:schemeClr>
+                    </a:solidFill>
+                  </a:tcPr>
+                </a:tc>
+                <a:tc>
+                  <a:txBody>
+                    <a:bodyPr/>
+                    <a:lstStyle/>
+                    <a:p>
+                      <a:pPr algn="ctr" fontAlgn="ctr"/>
+                      <a:r>
+                        <a:rPr lang="en" sz="1200" u="none" strike="noStrike" dirty="0">
+                          <a:effectLst/>
+                          <a:latin typeface="Tahoma" panose="020B0604030504040204" pitchFamily="34" charset="0"/>
+                          <a:ea typeface="Tahoma" panose="020B0604030504040204" pitchFamily="34" charset="0"/>
+                          <a:cs typeface="Tahoma" panose="020B0604030504040204" pitchFamily="34" charset="0"/>
+                        </a:rPr>
+                        <a:t>Private Score</a:t>
+                      </a:r>
+                      <a:endParaRPr lang="en" sz="1200" b="0" i="0" u="none" strike="noStrike" dirty="0">
+                        <a:solidFill>
+                          <a:srgbClr val="000000"/>
+                        </a:solidFill>
+                        <a:effectLst/>
+                        <a:latin typeface="Tahoma" panose="020B0604030504040204" pitchFamily="34" charset="0"/>
+                        <a:ea typeface="Tahoma" panose="020B0604030504040204" pitchFamily="34" charset="0"/>
+                        <a:cs typeface="Tahoma" panose="020B0604030504040204" pitchFamily="34" charset="0"/>
+                      </a:endParaRPr>
+                    </a:p>
+                  </a:txBody>
+                  <a:tcPr marL="9525" marR="9525" marT="9525" marB="0" anchor="ctr">
+                    <a:lnL w="12700" cap="flat" cmpd="sng" algn="ctr">
+                      <a:solidFill>
+                        <a:schemeClr val="tx1"/>
+                      </a:solidFill>
+                      <a:prstDash val="solid"/>
+                      <a:round/>
+                      <a:headEnd type="none" w="med" len="med"/>
+                      <a:tailEnd type="none" w="med" len="med"/>
+                    </a:lnL>
+                    <a:lnR w="12700" cap="flat" cmpd="sng" algn="ctr">
+                      <a:solidFill>
+                        <a:schemeClr val="tx1"/>
+                      </a:solidFill>
+                      <a:prstDash val="solid"/>
+                      <a:round/>
+                      <a:headEnd type="none" w="med" len="med"/>
+                      <a:tailEnd type="none" w="med" len="med"/>
+                    </a:lnR>
+                    <a:lnT w="12700" cap="flat" cmpd="sng" algn="ctr">
+                      <a:solidFill>
+                        <a:schemeClr val="tx1"/>
+                      </a:solidFill>
+                      <a:prstDash val="solid"/>
+                      <a:round/>
+                      <a:headEnd type="none" w="med" len="med"/>
+                      <a:tailEnd type="none" w="med" len="med"/>
+                    </a:lnT>
+                    <a:lnB w="12700" cap="flat" cmpd="sng" algn="ctr">
+                      <a:solidFill>
+                        <a:schemeClr val="tx1"/>
+                      </a:solidFill>
+                      <a:prstDash val="solid"/>
+                      <a:round/>
+                      <a:headEnd type="none" w="med" len="med"/>
+                      <a:tailEnd type="none" w="med" len="med"/>
+                    </a:lnB>
+                    <a:solidFill>
+                      <a:schemeClr val="bg1">
+                        <a:lumMod val="75000"/>
+                      </a:schemeClr>
+                    </a:solidFill>
+                  </a:tcPr>
+                </a:tc>
                 <a:extLst>
                   <a:ext uri="{0D108BD9-81ED-4DB2-BD59-A6C34878D82A}">
                     <a16:rowId xmlns:a16="http://schemas.microsoft.com/office/drawing/2014/main" val="4219143048"/>
                   </a:ext>
                 </a:extLst>
               </a:tr>
-              <a:tr h="228600">
+              <a:tr h="314918">
                 <a:tc>
                   <a:txBody>
                     <a:bodyPr/>
@@ -5402,7 +5731,9 @@
                       <a:headEnd type="none" w="med" len="med"/>
                       <a:tailEnd type="none" w="med" len="med"/>
                     </a:lnB>
-                    <a:noFill/>
+                    <a:solidFill>
+                      <a:schemeClr val="bg1"/>
+                    </a:solidFill>
                   </a:tcPr>
                 </a:tc>
                 <a:tc rowSpan="6">
@@ -5468,7 +5799,9 @@
                       <a:headEnd type="none" w="med" len="med"/>
                       <a:tailEnd type="none" w="med" len="med"/>
                     </a:lnB>
-                    <a:noFill/>
+                    <a:solidFill>
+                      <a:schemeClr val="bg1"/>
+                    </a:solidFill>
                   </a:tcPr>
                 </a:tc>
                 <a:tc>
@@ -5534,7 +5867,9 @@
                       <a:headEnd type="none" w="med" len="med"/>
                       <a:tailEnd type="none" w="med" len="med"/>
                     </a:lnB>
-                    <a:noFill/>
+                    <a:solidFill>
+                      <a:schemeClr val="bg1"/>
+                    </a:solidFill>
                   </a:tcPr>
                 </a:tc>
                 <a:tc rowSpan="7">
@@ -5600,7 +5935,9 @@
                       <a:headEnd type="none" w="med" len="med"/>
                       <a:tailEnd type="none" w="med" len="med"/>
                     </a:lnB>
-                    <a:noFill/>
+                    <a:solidFill>
+                      <a:schemeClr val="bg1"/>
+                    </a:solidFill>
                   </a:tcPr>
                 </a:tc>
                 <a:tc>
@@ -5610,7 +5947,7 @@
                     <a:p>
                       <a:pPr algn="ctr" fontAlgn="ctr"/>
                       <a:r>
-                        <a:rPr lang="en" sz="1200" u="none" strike="noStrike">
+                        <a:rPr lang="en" sz="1200" u="none" strike="noStrike" dirty="0">
                           <a:effectLst/>
                           <a:latin typeface="Tahoma" panose="020B0604030504040204" pitchFamily="34" charset="0"/>
                           <a:ea typeface="Tahoma" panose="020B0604030504040204" pitchFamily="34" charset="0"/>
@@ -5618,7 +5955,7 @@
                         </a:rPr>
                         <a:t>X</a:t>
                       </a:r>
-                      <a:endParaRPr lang="en" sz="1200" b="0" i="0" u="none" strike="noStrike">
+                      <a:endParaRPr lang="en" sz="1200" b="0" i="0" u="none" strike="noStrike" dirty="0">
                         <a:solidFill>
                           <a:srgbClr val="000000"/>
                         </a:solidFill>
@@ -5666,7 +6003,9 @@
                       <a:headEnd type="none" w="med" len="med"/>
                       <a:tailEnd type="none" w="med" len="med"/>
                     </a:lnB>
-                    <a:noFill/>
+                    <a:solidFill>
+                      <a:schemeClr val="bg1"/>
+                    </a:solidFill>
                   </a:tcPr>
                 </a:tc>
                 <a:tc>
@@ -5682,7 +6021,7 @@
                           <a:ea typeface="Tahoma" panose="020B0604030504040204" pitchFamily="34" charset="0"/>
                           <a:cs typeface="Tahoma" panose="020B0604030504040204" pitchFamily="34" charset="0"/>
                         </a:rPr>
-                        <a:t>0.93829543</a:t>
+                        <a:t>0.9382</a:t>
                       </a:r>
                       <a:endParaRPr lang="en-US" altLang="ko-KR" sz="1200" b="0" i="0" u="none" strike="noStrike" dirty="0">
                         <a:solidFill>
@@ -5732,7 +6071,9 @@
                       <a:headEnd type="none" w="med" len="med"/>
                       <a:tailEnd type="none" w="med" len="med"/>
                     </a:lnB>
-                    <a:noFill/>
+                    <a:solidFill>
+                      <a:schemeClr val="bg1"/>
+                    </a:solidFill>
                   </a:tcPr>
                 </a:tc>
                 <a:tc>
@@ -5742,15 +6083,15 @@
                     <a:p>
                       <a:pPr algn="ctr" fontAlgn="ctr"/>
                       <a:r>
-                        <a:rPr lang="en-US" altLang="ko-KR" sz="1200" u="none" strike="noStrike">
+                        <a:rPr lang="en-US" altLang="ko-KR" sz="1200" u="none" strike="noStrike" dirty="0">
                           <a:effectLst/>
                           <a:latin typeface="Tahoma" panose="020B0604030504040204" pitchFamily="34" charset="0"/>
                           <a:ea typeface="Tahoma" panose="020B0604030504040204" pitchFamily="34" charset="0"/>
                           <a:cs typeface="Tahoma" panose="020B0604030504040204" pitchFamily="34" charset="0"/>
                         </a:rPr>
-                        <a:t>0.94300122</a:t>
+                        <a:t>0.9430</a:t>
                       </a:r>
-                      <a:endParaRPr lang="en-US" altLang="ko-KR" sz="1200" b="0" i="0" u="none" strike="noStrike">
+                      <a:endParaRPr lang="en-US" altLang="ko-KR" sz="1200" b="0" i="0" u="none" strike="noStrike" dirty="0">
                         <a:solidFill>
                           <a:srgbClr val="485465"/>
                         </a:solidFill>
@@ -5798,7 +6139,133 @@
                       <a:headEnd type="none" w="med" len="med"/>
                       <a:tailEnd type="none" w="med" len="med"/>
                     </a:lnB>
-                    <a:noFill/>
+                    <a:solidFill>
+                      <a:schemeClr val="bg1"/>
+                    </a:solidFill>
+                  </a:tcPr>
+                </a:tc>
+                <a:tc rowSpan="7">
+                  <a:txBody>
+                    <a:bodyPr/>
+                    <a:lstStyle/>
+                    <a:p>
+                      <a:pPr algn="ctr" fontAlgn="ctr"/>
+                      <a:r>
+                        <a:rPr lang="en-US" altLang="ko-KR" sz="1200" u="none" strike="noStrike" kern="1200" dirty="0">
+                          <a:solidFill>
+                            <a:schemeClr val="dk1"/>
+                          </a:solidFill>
+                          <a:effectLst/>
+                          <a:latin typeface="Tahoma" panose="020B0604030504040204" pitchFamily="34" charset="0"/>
+                          <a:ea typeface="Tahoma" panose="020B0604030504040204" pitchFamily="34" charset="0"/>
+                          <a:cs typeface="Tahoma" panose="020B0604030504040204" pitchFamily="34" charset="0"/>
+                        </a:rPr>
+                        <a:t>0.9483 </a:t>
+                      </a:r>
+                    </a:p>
+                  </a:txBody>
+                  <a:tcPr marL="9525" marR="9525" marT="9525" marB="0" anchor="ctr">
+                    <a:lnL w="12700" cap="flat" cmpd="sng" algn="ctr">
+                      <a:solidFill>
+                        <a:schemeClr val="tx1"/>
+                      </a:solidFill>
+                      <a:prstDash val="solid"/>
+                      <a:round/>
+                      <a:headEnd type="none" w="med" len="med"/>
+                      <a:tailEnd type="none" w="med" len="med"/>
+                    </a:lnL>
+                    <a:lnR w="12700" cap="flat" cmpd="sng" algn="ctr">
+                      <a:solidFill>
+                        <a:schemeClr val="tx1"/>
+                      </a:solidFill>
+                      <a:prstDash val="solid"/>
+                      <a:round/>
+                      <a:headEnd type="none" w="med" len="med"/>
+                      <a:tailEnd type="none" w="med" len="med"/>
+                    </a:lnR>
+                    <a:lnT w="12700" cap="flat" cmpd="sng" algn="ctr">
+                      <a:solidFill>
+                        <a:schemeClr val="tx1"/>
+                      </a:solidFill>
+                      <a:prstDash val="solid"/>
+                      <a:round/>
+                      <a:headEnd type="none" w="med" len="med"/>
+                      <a:tailEnd type="none" w="med" len="med"/>
+                    </a:lnT>
+                    <a:lnB w="12700" cap="flat" cmpd="sng" algn="ctr">
+                      <a:solidFill>
+                        <a:schemeClr val="tx1"/>
+                      </a:solidFill>
+                      <a:prstDash val="solid"/>
+                      <a:round/>
+                      <a:headEnd type="none" w="med" len="med"/>
+                      <a:tailEnd type="none" w="med" len="med"/>
+                    </a:lnB>
+                    <a:solidFill>
+                      <a:schemeClr val="bg1"/>
+                    </a:solidFill>
+                  </a:tcPr>
+                </a:tc>
+                <a:tc rowSpan="7">
+                  <a:txBody>
+                    <a:bodyPr/>
+                    <a:lstStyle/>
+                    <a:p>
+                      <a:pPr algn="ctr" fontAlgn="ctr"/>
+                      <a:r>
+                        <a:rPr lang="en-US" altLang="ko-KR" sz="1200" u="none" strike="noStrike" kern="1200" dirty="0">
+                          <a:solidFill>
+                            <a:schemeClr val="dk1"/>
+                          </a:solidFill>
+                          <a:effectLst/>
+                          <a:latin typeface="Tahoma" panose="020B0604030504040204" pitchFamily="34" charset="0"/>
+                          <a:ea typeface="Tahoma" panose="020B0604030504040204" pitchFamily="34" charset="0"/>
+                          <a:cs typeface="Tahoma" panose="020B0604030504040204" pitchFamily="34" charset="0"/>
+                        </a:rPr>
+                        <a:t>0.9530</a:t>
+                      </a:r>
+                    </a:p>
+                  </a:txBody>
+                  <a:tcPr marL="9525" marR="9525" marT="9525" marB="0" anchor="ctr">
+                    <a:lnL w="12700" cap="flat" cmpd="sng" algn="ctr">
+                      <a:solidFill>
+                        <a:schemeClr val="tx1"/>
+                      </a:solidFill>
+                      <a:prstDash val="solid"/>
+                      <a:round/>
+                      <a:headEnd type="none" w="med" len="med"/>
+                      <a:tailEnd type="none" w="med" len="med"/>
+                    </a:lnL>
+                    <a:lnR w="12700" cap="flat" cmpd="sng" algn="ctr">
+                      <a:solidFill>
+                        <a:schemeClr val="tx1"/>
+                      </a:solidFill>
+                      <a:prstDash val="solid"/>
+                      <a:round/>
+                      <a:headEnd type="none" w="med" len="med"/>
+                      <a:tailEnd type="none" w="med" len="med"/>
+                    </a:lnR>
+                    <a:lnT w="12700" cap="flat" cmpd="sng" algn="ctr">
+                      <a:solidFill>
+                        <a:schemeClr val="tx1"/>
+                      </a:solidFill>
+                      <a:prstDash val="solid"/>
+                      <a:round/>
+                      <a:headEnd type="none" w="med" len="med"/>
+                      <a:tailEnd type="none" w="med" len="med"/>
+                    </a:lnT>
+                    <a:lnB w="12700" cap="flat" cmpd="sng" algn="ctr">
+                      <a:solidFill>
+                        <a:schemeClr val="tx1"/>
+                      </a:solidFill>
+                      <a:prstDash val="solid"/>
+                      <a:round/>
+                      <a:headEnd type="none" w="med" len="med"/>
+                      <a:tailEnd type="none" w="med" len="med"/>
+                    </a:lnB>
+                    <a:solidFill>
+                      <a:schemeClr val="bg1"/>
+                    </a:solidFill>
                   </a:tcPr>
                 </a:tc>
                 <a:extLst>
@@ -5807,7 +6274,7 @@
                   </a:ext>
                 </a:extLst>
               </a:tr>
-              <a:tr h="228600">
+              <a:tr h="314918">
                 <a:tc>
                   <a:txBody>
                     <a:bodyPr/>
@@ -5871,7 +6338,9 @@
                       <a:headEnd type="none" w="med" len="med"/>
                       <a:tailEnd type="none" w="med" len="med"/>
                     </a:lnB>
-                    <a:noFill/>
+                    <a:solidFill>
+                      <a:schemeClr val="bg1"/>
+                    </a:solidFill>
                   </a:tcPr>
                 </a:tc>
                 <a:tc vMerge="1">
@@ -5948,7 +6417,9 @@
                       <a:headEnd type="none" w="med" len="med"/>
                       <a:tailEnd type="none" w="med" len="med"/>
                     </a:lnB>
-                    <a:noFill/>
+                    <a:solidFill>
+                      <a:schemeClr val="bg1"/>
+                    </a:solidFill>
                   </a:tcPr>
                 </a:tc>
                 <a:tc vMerge="1">
@@ -5969,7 +6440,7 @@
                     <a:p>
                       <a:pPr algn="ctr" fontAlgn="ctr"/>
                       <a:r>
-                        <a:rPr lang="en" sz="1200" u="none" strike="noStrike">
+                        <a:rPr lang="en" sz="1200" u="none" strike="noStrike" dirty="0">
                           <a:effectLst/>
                           <a:latin typeface="Tahoma" panose="020B0604030504040204" pitchFamily="34" charset="0"/>
                           <a:ea typeface="Tahoma" panose="020B0604030504040204" pitchFamily="34" charset="0"/>
@@ -5977,7 +6448,7 @@
                         </a:rPr>
                         <a:t>O</a:t>
                       </a:r>
-                      <a:endParaRPr lang="en" sz="1200" b="0" i="0" u="none" strike="noStrike">
+                      <a:endParaRPr lang="en" sz="1200" b="0" i="0" u="none" strike="noStrike" dirty="0">
                         <a:solidFill>
                           <a:srgbClr val="000000"/>
                         </a:solidFill>
@@ -6025,7 +6496,9 @@
                       <a:headEnd type="none" w="med" len="med"/>
                       <a:tailEnd type="none" w="med" len="med"/>
                     </a:lnB>
-                    <a:noFill/>
+                    <a:solidFill>
+                      <a:schemeClr val="bg1"/>
+                    </a:solidFill>
                   </a:tcPr>
                 </a:tc>
                 <a:tc rowSpan="5">
@@ -6041,7 +6514,7 @@
                           <a:ea typeface="Tahoma" panose="020B0604030504040204" pitchFamily="34" charset="0"/>
                           <a:cs typeface="Tahoma" panose="020B0604030504040204" pitchFamily="34" charset="0"/>
                         </a:rPr>
-                        <a:t>0.9445167</a:t>
+                        <a:t>0.9445</a:t>
                       </a:r>
                       <a:endParaRPr lang="en-US" altLang="ko-KR" sz="1200" b="0" i="0" u="none" strike="noStrike" dirty="0">
                         <a:solidFill>
@@ -6091,7 +6564,9 @@
                       <a:headEnd type="none" w="med" len="med"/>
                       <a:tailEnd type="none" w="med" len="med"/>
                     </a:lnB>
-                    <a:noFill/>
+                    <a:solidFill>
+                      <a:schemeClr val="bg1"/>
+                    </a:solidFill>
                   </a:tcPr>
                 </a:tc>
                 <a:tc rowSpan="5">
@@ -6101,15 +6576,15 @@
                     <a:p>
                       <a:pPr algn="ctr" fontAlgn="ctr"/>
                       <a:r>
-                        <a:rPr lang="en-US" altLang="ko-KR" sz="1200" u="none" strike="noStrike">
+                        <a:rPr lang="en-US" altLang="ko-KR" sz="1200" u="none" strike="noStrike" dirty="0">
                           <a:effectLst/>
                           <a:latin typeface="Tahoma" panose="020B0604030504040204" pitchFamily="34" charset="0"/>
                           <a:ea typeface="Tahoma" panose="020B0604030504040204" pitchFamily="34" charset="0"/>
                           <a:cs typeface="Tahoma" panose="020B0604030504040204" pitchFamily="34" charset="0"/>
                         </a:rPr>
-                        <a:t>0.94610543</a:t>
+                        <a:t>0.9461</a:t>
                       </a:r>
-                      <a:endParaRPr lang="en-US" altLang="ko-KR" sz="1200" b="0" i="0" u="none" strike="noStrike">
+                      <a:endParaRPr lang="en-US" altLang="ko-KR" sz="1200" b="0" i="0" u="none" strike="noStrike" dirty="0">
                         <a:solidFill>
                           <a:srgbClr val="000000"/>
                         </a:solidFill>
@@ -6157,6 +6632,122 @@
                       <a:headEnd type="none" w="med" len="med"/>
                       <a:tailEnd type="none" w="med" len="med"/>
                     </a:lnB>
+                    <a:solidFill>
+                      <a:schemeClr val="bg1"/>
+                    </a:solidFill>
+                  </a:tcPr>
+                </a:tc>
+                <a:tc vMerge="1">
+                  <a:txBody>
+                    <a:bodyPr/>
+                    <a:lstStyle/>
+                    <a:p>
+                      <a:pPr algn="ctr" fontAlgn="ctr"/>
+                      <a:endParaRPr lang="en-US" altLang="ko-KR" sz="1200" b="0" i="0" u="none" strike="noStrike" dirty="0">
+                        <a:solidFill>
+                          <a:srgbClr val="000000"/>
+                        </a:solidFill>
+                        <a:effectLst/>
+                        <a:latin typeface="Tahoma" panose="020B0604030504040204" pitchFamily="34" charset="0"/>
+                        <a:ea typeface="Tahoma" panose="020B0604030504040204" pitchFamily="34" charset="0"/>
+                        <a:cs typeface="Tahoma" panose="020B0604030504040204" pitchFamily="34" charset="0"/>
+                      </a:endParaRPr>
+                    </a:p>
+                  </a:txBody>
+                  <a:tcPr marL="9525" marR="9525" marT="9525" marB="0" anchor="ctr">
+                    <a:lnL w="12700" cap="flat" cmpd="sng" algn="ctr">
+                      <a:solidFill>
+                        <a:schemeClr val="tx1"/>
+                      </a:solidFill>
+                      <a:prstDash val="solid"/>
+                      <a:round/>
+                      <a:headEnd type="none" w="med" len="med"/>
+                      <a:tailEnd type="none" w="med" len="med"/>
+                    </a:lnL>
+                    <a:lnR w="12700" cap="flat" cmpd="sng" algn="ctr">
+                      <a:solidFill>
+                        <a:schemeClr val="tx1"/>
+                      </a:solidFill>
+                      <a:prstDash val="solid"/>
+                      <a:round/>
+                      <a:headEnd type="none" w="med" len="med"/>
+                      <a:tailEnd type="none" w="med" len="med"/>
+                    </a:lnR>
+                    <a:lnT w="12700" cap="flat" cmpd="sng" algn="ctr">
+                      <a:solidFill>
+                        <a:schemeClr val="tx1"/>
+                      </a:solidFill>
+                      <a:prstDash val="solid"/>
+                      <a:round/>
+                      <a:headEnd type="none" w="med" len="med"/>
+                      <a:tailEnd type="none" w="med" len="med"/>
+                    </a:lnT>
+                    <a:lnB w="12700" cap="flat" cmpd="sng" algn="ctr">
+                      <a:solidFill>
+                        <a:schemeClr val="tx1"/>
+                      </a:solidFill>
+                      <a:prstDash val="solid"/>
+                      <a:round/>
+                      <a:headEnd type="none" w="med" len="med"/>
+                      <a:tailEnd type="none" w="med" len="med"/>
+                    </a:lnB>
+                    <a:noFill/>
+                  </a:tcPr>
+                </a:tc>
+                <a:tc vMerge="1">
+                  <a:txBody>
+                    <a:bodyPr/>
+                    <a:lstStyle/>
+                    <a:p>
+                      <a:pPr algn="ctr" fontAlgn="ctr"/>
+                      <a:endParaRPr lang="en-US" altLang="ko-KR" sz="1200" b="0" i="0" u="none" strike="noStrike" dirty="0">
+                        <a:solidFill>
+                          <a:srgbClr val="000000"/>
+                        </a:solidFill>
+                        <a:effectLst/>
+                        <a:latin typeface="Tahoma" panose="020B0604030504040204" pitchFamily="34" charset="0"/>
+                        <a:ea typeface="Tahoma" panose="020B0604030504040204" pitchFamily="34" charset="0"/>
+                        <a:cs typeface="Tahoma" panose="020B0604030504040204" pitchFamily="34" charset="0"/>
+                      </a:endParaRPr>
+                    </a:p>
+                  </a:txBody>
+                  <a:tcPr marL="9525" marR="9525" marT="9525" marB="0" anchor="ctr">
+                    <a:lnL w="12700" cap="flat" cmpd="sng" algn="ctr">
+                      <a:solidFill>
+                        <a:schemeClr val="tx1"/>
+                      </a:solidFill>
+                      <a:prstDash val="solid"/>
+                      <a:round/>
+                      <a:headEnd type="none" w="med" len="med"/>
+                      <a:tailEnd type="none" w="med" len="med"/>
+                    </a:lnL>
+                    <a:lnR w="12700" cap="flat" cmpd="sng" algn="ctr">
+                      <a:solidFill>
+                        <a:schemeClr val="tx1"/>
+                      </a:solidFill>
+                      <a:prstDash val="solid"/>
+                      <a:round/>
+                      <a:headEnd type="none" w="med" len="med"/>
+                      <a:tailEnd type="none" w="med" len="med"/>
+                    </a:lnR>
+                    <a:lnT w="12700" cap="flat" cmpd="sng" algn="ctr">
+                      <a:solidFill>
+                        <a:schemeClr val="tx1"/>
+                      </a:solidFill>
+                      <a:prstDash val="solid"/>
+                      <a:round/>
+                      <a:headEnd type="none" w="med" len="med"/>
+                      <a:tailEnd type="none" w="med" len="med"/>
+                    </a:lnT>
+                    <a:lnB w="12700" cap="flat" cmpd="sng" algn="ctr">
+                      <a:solidFill>
+                        <a:schemeClr val="tx1"/>
+                      </a:solidFill>
+                      <a:prstDash val="solid"/>
+                      <a:round/>
+                      <a:headEnd type="none" w="med" len="med"/>
+                      <a:tailEnd type="none" w="med" len="med"/>
+                    </a:lnB>
                     <a:noFill/>
                   </a:tcPr>
                 </a:tc>
@@ -6166,7 +6757,7 @@
                   </a:ext>
                 </a:extLst>
               </a:tr>
-              <a:tr h="228600">
+              <a:tr h="314918">
                 <a:tc>
                   <a:txBody>
                     <a:bodyPr/>
@@ -6230,8 +6821,32 @@
                       <a:headEnd type="none" w="med" len="med"/>
                       <a:tailEnd type="none" w="med" len="med"/>
                     </a:lnB>
-                    <a:noFill/>
+                    <a:solidFill>
+                      <a:schemeClr val="bg1"/>
+                    </a:solidFill>
                   </a:tcPr>
+                </a:tc>
+                <a:tc vMerge="1">
+                  <a:txBody>
+                    <a:bodyPr/>
+                    <a:lstStyle/>
+                    <a:p>
+                      <a:pPr latinLnBrk="1"/>
+                      <a:endParaRPr lang="ko-KR" altLang="en-US"/>
+                    </a:p>
+                  </a:txBody>
+                  <a:tcPr/>
+                </a:tc>
+                <a:tc vMerge="1">
+                  <a:txBody>
+                    <a:bodyPr/>
+                    <a:lstStyle/>
+                    <a:p>
+                      <a:pPr latinLnBrk="1"/>
+                      <a:endParaRPr lang="ko-KR" altLang="en-US"/>
+                    </a:p>
+                  </a:txBody>
+                  <a:tcPr/>
                 </a:tc>
                 <a:tc vMerge="1">
                   <a:txBody>
@@ -6305,7 +6920,7 @@
                   </a:ext>
                 </a:extLst>
               </a:tr>
-              <a:tr h="228600">
+              <a:tr h="314918">
                 <a:tc>
                   <a:txBody>
                     <a:bodyPr/>
@@ -6369,8 +6984,32 @@
                       <a:headEnd type="none" w="med" len="med"/>
                       <a:tailEnd type="none" w="med" len="med"/>
                     </a:lnB>
-                    <a:noFill/>
+                    <a:solidFill>
+                      <a:schemeClr val="bg1"/>
+                    </a:solidFill>
                   </a:tcPr>
+                </a:tc>
+                <a:tc vMerge="1">
+                  <a:txBody>
+                    <a:bodyPr/>
+                    <a:lstStyle/>
+                    <a:p>
+                      <a:pPr latinLnBrk="1"/>
+                      <a:endParaRPr lang="ko-KR" altLang="en-US"/>
+                    </a:p>
+                  </a:txBody>
+                  <a:tcPr/>
+                </a:tc>
+                <a:tc vMerge="1">
+                  <a:txBody>
+                    <a:bodyPr/>
+                    <a:lstStyle/>
+                    <a:p>
+                      <a:pPr latinLnBrk="1"/>
+                      <a:endParaRPr lang="ko-KR" altLang="en-US"/>
+                    </a:p>
+                  </a:txBody>
+                  <a:tcPr/>
                 </a:tc>
                 <a:tc vMerge="1">
                   <a:txBody>
@@ -6444,7 +7083,7 @@
                   </a:ext>
                 </a:extLst>
               </a:tr>
-              <a:tr h="228600">
+              <a:tr h="314918">
                 <a:tc>
                   <a:txBody>
                     <a:bodyPr/>
@@ -6508,8 +7147,32 @@
                       <a:headEnd type="none" w="med" len="med"/>
                       <a:tailEnd type="none" w="med" len="med"/>
                     </a:lnB>
-                    <a:noFill/>
+                    <a:solidFill>
+                      <a:schemeClr val="bg1"/>
+                    </a:solidFill>
                   </a:tcPr>
+                </a:tc>
+                <a:tc vMerge="1">
+                  <a:txBody>
+                    <a:bodyPr/>
+                    <a:lstStyle/>
+                    <a:p>
+                      <a:pPr latinLnBrk="1"/>
+                      <a:endParaRPr lang="ko-KR" altLang="en-US"/>
+                    </a:p>
+                  </a:txBody>
+                  <a:tcPr/>
+                </a:tc>
+                <a:tc vMerge="1">
+                  <a:txBody>
+                    <a:bodyPr/>
+                    <a:lstStyle/>
+                    <a:p>
+                      <a:pPr latinLnBrk="1"/>
+                      <a:endParaRPr lang="ko-KR" altLang="en-US"/>
+                    </a:p>
+                  </a:txBody>
+                  <a:tcPr/>
                 </a:tc>
                 <a:tc vMerge="1">
                   <a:txBody>
@@ -6583,7 +7246,7 @@
                   </a:ext>
                 </a:extLst>
               </a:tr>
-              <a:tr h="228600">
+              <a:tr h="314918">
                 <a:tc>
                   <a:txBody>
                     <a:bodyPr/>
@@ -6647,8 +7310,32 @@
                       <a:headEnd type="none" w="med" len="med"/>
                       <a:tailEnd type="none" w="med" len="med"/>
                     </a:lnB>
-                    <a:noFill/>
+                    <a:solidFill>
+                      <a:schemeClr val="bg1"/>
+                    </a:solidFill>
                   </a:tcPr>
+                </a:tc>
+                <a:tc vMerge="1">
+                  <a:txBody>
+                    <a:bodyPr/>
+                    <a:lstStyle/>
+                    <a:p>
+                      <a:pPr latinLnBrk="1"/>
+                      <a:endParaRPr lang="ko-KR" altLang="en-US"/>
+                    </a:p>
+                  </a:txBody>
+                  <a:tcPr/>
+                </a:tc>
+                <a:tc vMerge="1">
+                  <a:txBody>
+                    <a:bodyPr/>
+                    <a:lstStyle/>
+                    <a:p>
+                      <a:pPr latinLnBrk="1"/>
+                      <a:endParaRPr lang="ko-KR" altLang="en-US"/>
+                    </a:p>
+                  </a:txBody>
+                  <a:tcPr/>
                 </a:tc>
                 <a:tc vMerge="1">
                   <a:txBody>
@@ -6722,7 +7409,7 @@
                   </a:ext>
                 </a:extLst>
               </a:tr>
-              <a:tr h="228600">
+              <a:tr h="314918">
                 <a:tc>
                   <a:txBody>
                     <a:bodyPr/>
@@ -6786,7 +7473,9 @@
                       <a:headEnd type="none" w="med" len="med"/>
                       <a:tailEnd type="none" w="med" len="med"/>
                     </a:lnB>
-                    <a:noFill/>
+                    <a:solidFill>
+                      <a:schemeClr val="bg1"/>
+                    </a:solidFill>
                   </a:tcPr>
                 </a:tc>
                 <a:tc>
@@ -6852,7 +7541,9 @@
                       <a:headEnd type="none" w="med" len="med"/>
                       <a:tailEnd type="none" w="med" len="med"/>
                     </a:lnB>
-                    <a:noFill/>
+                    <a:solidFill>
+                      <a:schemeClr val="bg1"/>
+                    </a:solidFill>
                   </a:tcPr>
                 </a:tc>
                 <a:tc vMerge="1">
@@ -6940,7 +7631,9 @@
                       <a:headEnd type="none" w="med" len="med"/>
                       <a:tailEnd type="none" w="med" len="med"/>
                     </a:lnB>
-                    <a:noFill/>
+                    <a:solidFill>
+                      <a:schemeClr val="bg1"/>
+                    </a:solidFill>
                   </a:tcPr>
                 </a:tc>
                 <a:tc>
@@ -6956,7 +7649,7 @@
                           <a:ea typeface="Tahoma" panose="020B0604030504040204" pitchFamily="34" charset="0"/>
                           <a:cs typeface="Tahoma" panose="020B0604030504040204" pitchFamily="34" charset="0"/>
                         </a:rPr>
-                        <a:t>0.94144398</a:t>
+                        <a:t>0.9414</a:t>
                       </a:r>
                       <a:endParaRPr lang="en-US" altLang="ko-KR" sz="1200" b="0" i="0" u="none" strike="noStrike" dirty="0">
                         <a:solidFill>
@@ -7006,7 +7699,9 @@
                       <a:headEnd type="none" w="med" len="med"/>
                       <a:tailEnd type="none" w="med" len="med"/>
                     </a:lnB>
-                    <a:noFill/>
+                    <a:solidFill>
+                      <a:schemeClr val="bg1"/>
+                    </a:solidFill>
                   </a:tcPr>
                 </a:tc>
                 <a:tc>
@@ -7022,8 +7717,124 @@
                           <a:ea typeface="Tahoma" panose="020B0604030504040204" pitchFamily="34" charset="0"/>
                           <a:cs typeface="Tahoma" panose="020B0604030504040204" pitchFamily="34" charset="0"/>
                         </a:rPr>
-                        <a:t>0.94511532</a:t>
+                        <a:t>0.9451</a:t>
                       </a:r>
+                      <a:endParaRPr lang="en-US" altLang="ko-KR" sz="1200" b="0" i="0" u="none" strike="noStrike" dirty="0">
+                        <a:solidFill>
+                          <a:srgbClr val="000000"/>
+                        </a:solidFill>
+                        <a:effectLst/>
+                        <a:latin typeface="Tahoma" panose="020B0604030504040204" pitchFamily="34" charset="0"/>
+                        <a:ea typeface="Tahoma" panose="020B0604030504040204" pitchFamily="34" charset="0"/>
+                        <a:cs typeface="Tahoma" panose="020B0604030504040204" pitchFamily="34" charset="0"/>
+                      </a:endParaRPr>
+                    </a:p>
+                  </a:txBody>
+                  <a:tcPr marL="9525" marR="9525" marT="9525" marB="0" anchor="ctr">
+                    <a:lnL w="12700" cap="flat" cmpd="sng" algn="ctr">
+                      <a:solidFill>
+                        <a:schemeClr val="tx1"/>
+                      </a:solidFill>
+                      <a:prstDash val="solid"/>
+                      <a:round/>
+                      <a:headEnd type="none" w="med" len="med"/>
+                      <a:tailEnd type="none" w="med" len="med"/>
+                    </a:lnL>
+                    <a:lnR w="12700" cap="flat" cmpd="sng" algn="ctr">
+                      <a:solidFill>
+                        <a:schemeClr val="tx1"/>
+                      </a:solidFill>
+                      <a:prstDash val="solid"/>
+                      <a:round/>
+                      <a:headEnd type="none" w="med" len="med"/>
+                      <a:tailEnd type="none" w="med" len="med"/>
+                    </a:lnR>
+                    <a:lnT w="12700" cap="flat" cmpd="sng" algn="ctr">
+                      <a:solidFill>
+                        <a:schemeClr val="tx1"/>
+                      </a:solidFill>
+                      <a:prstDash val="solid"/>
+                      <a:round/>
+                      <a:headEnd type="none" w="med" len="med"/>
+                      <a:tailEnd type="none" w="med" len="med"/>
+                    </a:lnT>
+                    <a:lnB w="12700" cap="flat" cmpd="sng" algn="ctr">
+                      <a:solidFill>
+                        <a:schemeClr val="tx1"/>
+                      </a:solidFill>
+                      <a:prstDash val="solid"/>
+                      <a:round/>
+                      <a:headEnd type="none" w="med" len="med"/>
+                      <a:tailEnd type="none" w="med" len="med"/>
+                    </a:lnB>
+                    <a:solidFill>
+                      <a:schemeClr val="bg1"/>
+                    </a:solidFill>
+                  </a:tcPr>
+                </a:tc>
+                <a:tc vMerge="1">
+                  <a:txBody>
+                    <a:bodyPr/>
+                    <a:lstStyle/>
+                    <a:p>
+                      <a:pPr algn="ctr" fontAlgn="ctr"/>
+                      <a:endParaRPr lang="en-US" altLang="ko-KR" sz="1200" b="0" i="0" u="none" strike="noStrike" dirty="0">
+                        <a:solidFill>
+                          <a:srgbClr val="000000"/>
+                        </a:solidFill>
+                        <a:effectLst/>
+                        <a:latin typeface="Tahoma" panose="020B0604030504040204" pitchFamily="34" charset="0"/>
+                        <a:ea typeface="Tahoma" panose="020B0604030504040204" pitchFamily="34" charset="0"/>
+                        <a:cs typeface="Tahoma" panose="020B0604030504040204" pitchFamily="34" charset="0"/>
+                      </a:endParaRPr>
+                    </a:p>
+                  </a:txBody>
+                  <a:tcPr marL="9525" marR="9525" marT="9525" marB="0" anchor="ctr">
+                    <a:lnL w="12700" cap="flat" cmpd="sng" algn="ctr">
+                      <a:solidFill>
+                        <a:schemeClr val="tx1"/>
+                      </a:solidFill>
+                      <a:prstDash val="solid"/>
+                      <a:round/>
+                      <a:headEnd type="none" w="med" len="med"/>
+                      <a:tailEnd type="none" w="med" len="med"/>
+                    </a:lnL>
+                    <a:lnR w="12700" cap="flat" cmpd="sng" algn="ctr">
+                      <a:solidFill>
+                        <a:schemeClr val="tx1"/>
+                      </a:solidFill>
+                      <a:prstDash val="solid"/>
+                      <a:round/>
+                      <a:headEnd type="none" w="med" len="med"/>
+                      <a:tailEnd type="none" w="med" len="med"/>
+                    </a:lnR>
+                    <a:lnT w="12700" cap="flat" cmpd="sng" algn="ctr">
+                      <a:solidFill>
+                        <a:schemeClr val="tx1"/>
+                      </a:solidFill>
+                      <a:prstDash val="solid"/>
+                      <a:round/>
+                      <a:headEnd type="none" w="med" len="med"/>
+                      <a:tailEnd type="none" w="med" len="med"/>
+                    </a:lnT>
+                    <a:lnB w="12700" cap="flat" cmpd="sng" algn="ctr">
+                      <a:solidFill>
+                        <a:schemeClr val="tx1"/>
+                      </a:solidFill>
+                      <a:prstDash val="solid"/>
+                      <a:round/>
+                      <a:headEnd type="none" w="med" len="med"/>
+                      <a:tailEnd type="none" w="med" len="med"/>
+                    </a:lnB>
+                    <a:noFill/>
+                  </a:tcPr>
+                </a:tc>
+                <a:tc vMerge="1">
+                  <a:txBody>
+                    <a:bodyPr/>
+                    <a:lstStyle/>
+                    <a:p>
+                      <a:pPr algn="ctr" fontAlgn="ctr"/>
                       <a:endParaRPr lang="en-US" altLang="ko-KR" sz="1200" b="0" i="0" u="none" strike="noStrike" dirty="0">
                         <a:solidFill>
                           <a:srgbClr val="000000"/>
@@ -7099,8 +7910,8 @@
         </p:nvSpPr>
         <p:spPr>
           <a:xfrm>
-            <a:off x="1143385" y="3190240"/>
-            <a:ext cx="274320" cy="934720"/>
+            <a:off x="1143385" y="3546856"/>
+            <a:ext cx="274320" cy="1290320"/>
           </a:xfrm>
           <a:prstGeom prst="leftBrace">
             <a:avLst>
@@ -7151,7 +7962,7 @@
         </p:nvSpPr>
         <p:spPr>
           <a:xfrm>
-            <a:off x="183265" y="3426767"/>
+            <a:off x="183265" y="3961183"/>
             <a:ext cx="1097280" cy="461665"/>
           </a:xfrm>
           <a:prstGeom prst="rect">

--- a/asset/그림.pptx
+++ b/asset/그림.pptx
@@ -8092,52 +8092,7 @@
             <a:avLst/>
           </a:prstGeom>
           <a:noFill/>
-          <a:extLst>
-            <a:ext uri="{909E8E84-426E-40DD-AFC4-6F175D3DCCD1}">
-              <a14:hiddenFill xmlns:a14="http://schemas.microsoft.com/office/drawing/2010/main">
-                <a:solidFill>
-                  <a:srgbClr val="FFFFFF"/>
-                </a:solidFill>
-              </a14:hiddenFill>
-            </a:ext>
-          </a:extLst>
-        </p:spPr>
-      </p:pic>
-      <p:pic>
-        <p:nvPicPr>
-          <p:cNvPr id="8" name="Picture 2">
-            <a:extLst>
-              <a:ext uri="{FF2B5EF4-FFF2-40B4-BE49-F238E27FC236}">
-                <a16:creationId xmlns:a16="http://schemas.microsoft.com/office/drawing/2014/main" id="{42C59961-5331-D649-AA50-1B3559DCE592}"/>
-              </a:ext>
-            </a:extLst>
-          </p:cNvPr>
-          <p:cNvPicPr>
-            <a:picLocks noChangeAspect="1" noChangeArrowheads="1"/>
-          </p:cNvPicPr>
-          <p:nvPr/>
-        </p:nvPicPr>
-        <p:blipFill rotWithShape="1">
-          <a:blip r:embed="rId3">
-            <a:extLst>
-              <a:ext uri="{28A0092B-C50C-407E-A947-70E740481C1C}">
-                <a14:useLocalDpi xmlns:a14="http://schemas.microsoft.com/office/drawing/2010/main" val="0"/>
-              </a:ext>
-            </a:extLst>
-          </a:blip>
-          <a:srcRect l="19821" t="12430" r="16362" b="13219"/>
-          <a:stretch/>
-        </p:blipFill>
-        <p:spPr bwMode="auto">
-          <a:xfrm>
-            <a:off x="3944624" y="797560"/>
-            <a:ext cx="1231898" cy="1095956"/>
-          </a:xfrm>
-          <a:prstGeom prst="rect">
-            <a:avLst/>
-          </a:prstGeom>
-          <a:noFill/>
-          <a:ln w="25400">
+          <a:ln w="19050">
             <a:solidFill>
               <a:srgbClr val="C00000"/>
             </a:solidFill>
@@ -8155,20 +8110,86 @@
       </p:pic>
       <p:sp>
         <p:nvSpPr>
-          <p:cNvPr id="6" name="직사각형 5">
-            <a:extLst>
-              <a:ext uri="{FF2B5EF4-FFF2-40B4-BE49-F238E27FC236}">
-                <a16:creationId xmlns:a16="http://schemas.microsoft.com/office/drawing/2014/main" id="{95831A4E-B2D3-7243-82CC-8CE42C43A0C0}"/>
-              </a:ext>
-            </a:extLst>
-          </p:cNvPr>
-          <p:cNvSpPr/>
+          <p:cNvPr id="15" name="TextBox 14">
+            <a:extLst>
+              <a:ext uri="{FF2B5EF4-FFF2-40B4-BE49-F238E27FC236}">
+                <a16:creationId xmlns:a16="http://schemas.microsoft.com/office/drawing/2014/main" id="{9929C7B3-3D0D-024D-B713-4565B68771CA}"/>
+              </a:ext>
+            </a:extLst>
+          </p:cNvPr>
+          <p:cNvSpPr txBox="1"/>
           <p:nvPr/>
         </p:nvSpPr>
         <p:spPr>
           <a:xfrm>
-            <a:off x="5919650" y="1432560"/>
-            <a:ext cx="2570480" cy="2306320"/>
+            <a:off x="3964767" y="3235965"/>
+            <a:ext cx="1409873" cy="307777"/>
+          </a:xfrm>
+          <a:prstGeom prst="rect">
+            <a:avLst/>
+          </a:prstGeom>
+          <a:solidFill>
+            <a:schemeClr val="bg1">
+              <a:alpha val="70093"/>
+            </a:schemeClr>
+          </a:solidFill>
+        </p:spPr>
+        <p:txBody>
+          <a:bodyPr wrap="square" rtlCol="0">
+            <a:spAutoFit/>
+          </a:bodyPr>
+          <a:lstStyle/>
+          <a:p>
+            <a:pPr algn="ctr"/>
+            <a:r>
+              <a:rPr kumimoji="1" lang="en-US" altLang="ko-KR" sz="1400" dirty="0">
+                <a:solidFill>
+                  <a:srgbClr val="C00000"/>
+                </a:solidFill>
+                <a:latin typeface="Tahoma" panose="020B0604030504040204" pitchFamily="34" charset="0"/>
+                <a:cs typeface="Tahoma" panose="020B0604030504040204" pitchFamily="34" charset="0"/>
+              </a:rPr>
+              <a:t>Copy &amp; Paste</a:t>
+            </a:r>
+            <a:endParaRPr kumimoji="1" lang="ko-KR" altLang="en-US" sz="1400" dirty="0">
+              <a:solidFill>
+                <a:srgbClr val="C00000"/>
+              </a:solidFill>
+              <a:latin typeface="Tahoma" panose="020B0604030504040204" pitchFamily="34" charset="0"/>
+              <a:cs typeface="Tahoma" panose="020B0604030504040204" pitchFamily="34" charset="0"/>
+            </a:endParaRPr>
+          </a:p>
+        </p:txBody>
+      </p:sp>
+      <p:pic>
+        <p:nvPicPr>
+          <p:cNvPr id="10" name="Picture 2">
+            <a:extLst>
+              <a:ext uri="{FF2B5EF4-FFF2-40B4-BE49-F238E27FC236}">
+                <a16:creationId xmlns:a16="http://schemas.microsoft.com/office/drawing/2014/main" id="{63EA3B80-047C-D54A-BF61-B70AC7BD3414}"/>
+              </a:ext>
+            </a:extLst>
+          </p:cNvPr>
+          <p:cNvPicPr>
+            <a:picLocks noChangeAspect="1" noChangeArrowheads="1"/>
+          </p:cNvPicPr>
+          <p:nvPr/>
+        </p:nvPicPr>
+        <p:blipFill rotWithShape="1">
+          <a:blip r:embed="rId3">
+            <a:extLst>
+              <a:ext uri="{28A0092B-C50C-407E-A947-70E740481C1C}">
+                <a14:useLocalDpi xmlns:a14="http://schemas.microsoft.com/office/drawing/2010/main" val="0"/>
+              </a:ext>
+            </a:extLst>
+          </a:blip>
+          <a:srcRect l="11334" t="3491" r="2485" b="10000"/>
+          <a:stretch/>
+        </p:blipFill>
+        <p:spPr bwMode="auto">
+          <a:xfrm>
+            <a:off x="3820160" y="849699"/>
+            <a:ext cx="1409873" cy="1080704"/>
           </a:xfrm>
           <a:prstGeom prst="rect">
             <a:avLst/>
@@ -8179,32 +8200,17 @@
               <a:srgbClr val="C00000"/>
             </a:solidFill>
           </a:ln>
+          <a:extLst>
+            <a:ext uri="{909E8E84-426E-40DD-AFC4-6F175D3DCCD1}">
+              <a14:hiddenFill xmlns:a14="http://schemas.microsoft.com/office/drawing/2010/main">
+                <a:solidFill>
+                  <a:srgbClr val="FFFFFF"/>
+                </a:solidFill>
+              </a14:hiddenFill>
+            </a:ext>
+          </a:extLst>
         </p:spPr>
-        <p:style>
-          <a:lnRef idx="2">
-            <a:schemeClr val="accent1">
-              <a:shade val="50000"/>
-            </a:schemeClr>
-          </a:lnRef>
-          <a:fillRef idx="1">
-            <a:schemeClr val="accent1"/>
-          </a:fillRef>
-          <a:effectRef idx="0">
-            <a:schemeClr val="accent1"/>
-          </a:effectRef>
-          <a:fontRef idx="minor">
-            <a:schemeClr val="lt1"/>
-          </a:fontRef>
-        </p:style>
-        <p:txBody>
-          <a:bodyPr rtlCol="0" anchor="ctr"/>
-          <a:lstStyle/>
-          <a:p>
-            <a:pPr algn="ctr"/>
-            <a:endParaRPr kumimoji="1" lang="ko-KR" altLang="en-US"/>
-          </a:p>
-        </p:txBody>
-      </p:sp>
+      </p:pic>
       <p:sp>
         <p:nvSpPr>
           <p:cNvPr id="9" name="아래로 구부러진 화살표[C] 8">
@@ -8257,59 +8263,6 @@
               <a:solidFill>
                 <a:schemeClr val="tx1"/>
               </a:solidFill>
-            </a:endParaRPr>
-          </a:p>
-        </p:txBody>
-      </p:sp>
-      <p:sp>
-        <p:nvSpPr>
-          <p:cNvPr id="15" name="TextBox 14">
-            <a:extLst>
-              <a:ext uri="{FF2B5EF4-FFF2-40B4-BE49-F238E27FC236}">
-                <a16:creationId xmlns:a16="http://schemas.microsoft.com/office/drawing/2014/main" id="{9929C7B3-3D0D-024D-B713-4565B68771CA}"/>
-              </a:ext>
-            </a:extLst>
-          </p:cNvPr>
-          <p:cNvSpPr txBox="1"/>
-          <p:nvPr/>
-        </p:nvSpPr>
-        <p:spPr>
-          <a:xfrm>
-            <a:off x="3964767" y="3235965"/>
-            <a:ext cx="1409873" cy="307777"/>
-          </a:xfrm>
-          <a:prstGeom prst="rect">
-            <a:avLst/>
-          </a:prstGeom>
-          <a:solidFill>
-            <a:schemeClr val="bg1">
-              <a:alpha val="70093"/>
-            </a:schemeClr>
-          </a:solidFill>
-        </p:spPr>
-        <p:txBody>
-          <a:bodyPr wrap="square" rtlCol="0">
-            <a:spAutoFit/>
-          </a:bodyPr>
-          <a:lstStyle/>
-          <a:p>
-            <a:pPr algn="ctr"/>
-            <a:r>
-              <a:rPr kumimoji="1" lang="en-US" altLang="ko-KR" sz="1400" dirty="0">
-                <a:solidFill>
-                  <a:srgbClr val="C00000"/>
-                </a:solidFill>
-                <a:latin typeface="Tahoma" panose="020B0604030504040204" pitchFamily="34" charset="0"/>
-                <a:cs typeface="Tahoma" panose="020B0604030504040204" pitchFamily="34" charset="0"/>
-              </a:rPr>
-              <a:t>Copy &amp; Paste</a:t>
-            </a:r>
-            <a:endParaRPr kumimoji="1" lang="ko-KR" altLang="en-US" sz="1400" dirty="0">
-              <a:solidFill>
-                <a:srgbClr val="C00000"/>
-              </a:solidFill>
-              <a:latin typeface="Tahoma" panose="020B0604030504040204" pitchFamily="34" charset="0"/>
-              <a:cs typeface="Tahoma" panose="020B0604030504040204" pitchFamily="34" charset="0"/>
             </a:endParaRPr>
           </a:p>
         </p:txBody>
